--- a/The Role of Cloud Computing in Modern Business.pptx
+++ b/The Role of Cloud Computing in Modern Business.pptx
@@ -8,6 +8,9 @@
     <p:sldId id="256" r:id="rId2"/>
     <p:sldId id="257" r:id="rId3"/>
     <p:sldId id="258" r:id="rId4"/>
+    <p:sldId id="259" r:id="rId5"/>
+    <p:sldId id="260" r:id="rId6"/>
+    <p:sldId id="261" r:id="rId7"/>
   </p:sldIdLst>
   <p:sldSz cx="12192000" cy="6858000"/>
   <p:notesSz cx="6858000" cy="9144000"/>
@@ -106,7 +109,118 @@
       </a:defRPr>
     </a:lvl9pPr>
   </p:defaultTextStyle>
+  <p:extLst>
+    <p:ext uri="{EFAFB233-063F-42B5-8137-9DF3F51BA10A}">
+      <p15:sldGuideLst xmlns:p15="http://schemas.microsoft.com/office/powerpoint/2012/main"/>
+    </p:ext>
+  </p:extLst>
 </p:presentation>
+</file>
+
+<file path=ppt/changesInfos/changesInfo1.xml><?xml version="1.0" encoding="utf-8"?>
+<pc:chgInfo xmlns:a="http://schemas.openxmlformats.org/drawingml/2006/main" xmlns:r="http://schemas.openxmlformats.org/officeDocument/2006/relationships" xmlns:ac="http://schemas.microsoft.com/office/drawing/2013/main/command" xmlns:pc="http://schemas.microsoft.com/office/powerpoint/2013/main/command">
+  <pc:docChgLst>
+    <pc:chgData name="Muhammad Sddique Memon" userId="3efba3e3d5124bdb" providerId="LiveId" clId="{4E8F104D-9BDF-4A00-8DB1-F79EAC45C266}"/>
+    <pc:docChg chg="undo redo custSel addSld delSld modSld">
+      <pc:chgData name="Muhammad Sddique Memon" userId="3efba3e3d5124bdb" providerId="LiveId" clId="{4E8F104D-9BDF-4A00-8DB1-F79EAC45C266}" dt="2025-10-09T07:26:51.316" v="571" actId="14100"/>
+      <pc:docMkLst>
+        <pc:docMk/>
+      </pc:docMkLst>
+      <pc:sldChg chg="new del">
+        <pc:chgData name="Muhammad Sddique Memon" userId="3efba3e3d5124bdb" providerId="LiveId" clId="{4E8F104D-9BDF-4A00-8DB1-F79EAC45C266}" dt="2025-10-09T07:16:37.776" v="1" actId="47"/>
+        <pc:sldMkLst>
+          <pc:docMk/>
+          <pc:sldMk cId="2086935620" sldId="259"/>
+        </pc:sldMkLst>
+      </pc:sldChg>
+      <pc:sldChg chg="modSp add mod">
+        <pc:chgData name="Muhammad Sddique Memon" userId="3efba3e3d5124bdb" providerId="LiveId" clId="{4E8F104D-9BDF-4A00-8DB1-F79EAC45C266}" dt="2025-10-09T07:20:14.945" v="150" actId="14826"/>
+        <pc:sldMkLst>
+          <pc:docMk/>
+          <pc:sldMk cId="3761437880" sldId="259"/>
+        </pc:sldMkLst>
+        <pc:spChg chg="mod">
+          <ac:chgData name="Muhammad Sddique Memon" userId="3efba3e3d5124bdb" providerId="LiveId" clId="{4E8F104D-9BDF-4A00-8DB1-F79EAC45C266}" dt="2025-10-09T07:17:10.533" v="57" actId="20577"/>
+          <ac:spMkLst>
+            <pc:docMk/>
+            <pc:sldMk cId="3761437880" sldId="259"/>
+            <ac:spMk id="2" creationId="{1779BE70-3709-B94F-8C16-6F275575A79E}"/>
+          </ac:spMkLst>
+        </pc:spChg>
+        <pc:spChg chg="mod">
+          <ac:chgData name="Muhammad Sddique Memon" userId="3efba3e3d5124bdb" providerId="LiveId" clId="{4E8F104D-9BDF-4A00-8DB1-F79EAC45C266}" dt="2025-10-09T07:17:58.422" v="149" actId="20577"/>
+          <ac:spMkLst>
+            <pc:docMk/>
+            <pc:sldMk cId="3761437880" sldId="259"/>
+            <ac:spMk id="3" creationId="{E47EC89A-BE68-FF31-FB5D-8255D4A86D57}"/>
+          </ac:spMkLst>
+        </pc:spChg>
+        <pc:picChg chg="mod">
+          <ac:chgData name="Muhammad Sddique Memon" userId="3efba3e3d5124bdb" providerId="LiveId" clId="{4E8F104D-9BDF-4A00-8DB1-F79EAC45C266}" dt="2025-10-09T07:20:14.945" v="150" actId="14826"/>
+          <ac:picMkLst>
+            <pc:docMk/>
+            <pc:sldMk cId="3761437880" sldId="259"/>
+            <ac:picMk id="5" creationId="{49B11ABA-0E92-4DBA-6207-E07935BF0A37}"/>
+          </ac:picMkLst>
+        </pc:picChg>
+      </pc:sldChg>
+      <pc:sldChg chg="delSp modSp add mod">
+        <pc:chgData name="Muhammad Sddique Memon" userId="3efba3e3d5124bdb" providerId="LiveId" clId="{4E8F104D-9BDF-4A00-8DB1-F79EAC45C266}" dt="2025-10-09T07:25:57.569" v="541" actId="478"/>
+        <pc:sldMkLst>
+          <pc:docMk/>
+          <pc:sldMk cId="513396464" sldId="260"/>
+        </pc:sldMkLst>
+        <pc:spChg chg="mod">
+          <ac:chgData name="Muhammad Sddique Memon" userId="3efba3e3d5124bdb" providerId="LiveId" clId="{4E8F104D-9BDF-4A00-8DB1-F79EAC45C266}" dt="2025-10-09T07:20:40.590" v="164" actId="20577"/>
+          <ac:spMkLst>
+            <pc:docMk/>
+            <pc:sldMk cId="513396464" sldId="260"/>
+            <ac:spMk id="2" creationId="{1779BE70-3709-B94F-8C16-6F275575A79E}"/>
+          </ac:spMkLst>
+        </pc:spChg>
+        <pc:spChg chg="mod">
+          <ac:chgData name="Muhammad Sddique Memon" userId="3efba3e3d5124bdb" providerId="LiveId" clId="{4E8F104D-9BDF-4A00-8DB1-F79EAC45C266}" dt="2025-10-09T07:25:27.361" v="540" actId="20577"/>
+          <ac:spMkLst>
+            <pc:docMk/>
+            <pc:sldMk cId="513396464" sldId="260"/>
+            <ac:spMk id="3" creationId="{E47EC89A-BE68-FF31-FB5D-8255D4A86D57}"/>
+          </ac:spMkLst>
+        </pc:spChg>
+        <pc:picChg chg="del">
+          <ac:chgData name="Muhammad Sddique Memon" userId="3efba3e3d5124bdb" providerId="LiveId" clId="{4E8F104D-9BDF-4A00-8DB1-F79EAC45C266}" dt="2025-10-09T07:25:57.569" v="541" actId="478"/>
+          <ac:picMkLst>
+            <pc:docMk/>
+            <pc:sldMk cId="513396464" sldId="260"/>
+            <ac:picMk id="5" creationId="{49B11ABA-0E92-4DBA-6207-E07935BF0A37}"/>
+          </ac:picMkLst>
+        </pc:picChg>
+      </pc:sldChg>
+      <pc:sldChg chg="modSp add mod">
+        <pc:chgData name="Muhammad Sddique Memon" userId="3efba3e3d5124bdb" providerId="LiveId" clId="{4E8F104D-9BDF-4A00-8DB1-F79EAC45C266}" dt="2025-10-09T07:26:51.316" v="571" actId="14100"/>
+        <pc:sldMkLst>
+          <pc:docMk/>
+          <pc:sldMk cId="2695373570" sldId="261"/>
+        </pc:sldMkLst>
+        <pc:spChg chg="mod">
+          <ac:chgData name="Muhammad Sddique Memon" userId="3efba3e3d5124bdb" providerId="LiveId" clId="{4E8F104D-9BDF-4A00-8DB1-F79EAC45C266}" dt="2025-10-09T07:26:34.167" v="569" actId="20577"/>
+          <ac:spMkLst>
+            <pc:docMk/>
+            <pc:sldMk cId="2695373570" sldId="261"/>
+            <ac:spMk id="2" creationId="{1779BE70-3709-B94F-8C16-6F275575A79E}"/>
+          </ac:spMkLst>
+        </pc:spChg>
+        <pc:spChg chg="mod">
+          <ac:chgData name="Muhammad Sddique Memon" userId="3efba3e3d5124bdb" providerId="LiveId" clId="{4E8F104D-9BDF-4A00-8DB1-F79EAC45C266}" dt="2025-10-09T07:26:51.316" v="571" actId="14100"/>
+          <ac:spMkLst>
+            <pc:docMk/>
+            <pc:sldMk cId="2695373570" sldId="261"/>
+            <ac:spMk id="3" creationId="{E47EC89A-BE68-FF31-FB5D-8255D4A86D57}"/>
+          </ac:spMkLst>
+        </pc:spChg>
+      </pc:sldChg>
+    </pc:docChg>
+  </pc:docChgLst>
+</pc:chgInfo>
 </file>
 
 <file path=ppt/slideLayouts/slideLayout1.xml><?xml version="1.0" encoding="utf-8"?>
@@ -258,7 +372,7 @@
           <a:p>
             <a:fld id="{7010FB7D-EB8B-4165-8035-325F8FF4F10B}" type="datetimeFigureOut">
               <a:rPr lang="en-PK" smtClean="0"/>
-              <a:t>07/10/2025</a:t>
+              <a:t>09/10/2025</a:t>
             </a:fld>
             <a:endParaRPr lang="en-PK"/>
           </a:p>
@@ -458,7 +572,7 @@
           <a:p>
             <a:fld id="{7010FB7D-EB8B-4165-8035-325F8FF4F10B}" type="datetimeFigureOut">
               <a:rPr lang="en-PK" smtClean="0"/>
-              <a:t>07/10/2025</a:t>
+              <a:t>09/10/2025</a:t>
             </a:fld>
             <a:endParaRPr lang="en-PK"/>
           </a:p>
@@ -668,7 +782,7 @@
           <a:p>
             <a:fld id="{7010FB7D-EB8B-4165-8035-325F8FF4F10B}" type="datetimeFigureOut">
               <a:rPr lang="en-PK" smtClean="0"/>
-              <a:t>07/10/2025</a:t>
+              <a:t>09/10/2025</a:t>
             </a:fld>
             <a:endParaRPr lang="en-PK"/>
           </a:p>
@@ -868,7 +982,7 @@
           <a:p>
             <a:fld id="{7010FB7D-EB8B-4165-8035-325F8FF4F10B}" type="datetimeFigureOut">
               <a:rPr lang="en-PK" smtClean="0"/>
-              <a:t>07/10/2025</a:t>
+              <a:t>09/10/2025</a:t>
             </a:fld>
             <a:endParaRPr lang="en-PK"/>
           </a:p>
@@ -1144,7 +1258,7 @@
           <a:p>
             <a:fld id="{7010FB7D-EB8B-4165-8035-325F8FF4F10B}" type="datetimeFigureOut">
               <a:rPr lang="en-PK" smtClean="0"/>
-              <a:t>07/10/2025</a:t>
+              <a:t>09/10/2025</a:t>
             </a:fld>
             <a:endParaRPr lang="en-PK"/>
           </a:p>
@@ -1412,7 +1526,7 @@
           <a:p>
             <a:fld id="{7010FB7D-EB8B-4165-8035-325F8FF4F10B}" type="datetimeFigureOut">
               <a:rPr lang="en-PK" smtClean="0"/>
-              <a:t>07/10/2025</a:t>
+              <a:t>09/10/2025</a:t>
             </a:fld>
             <a:endParaRPr lang="en-PK"/>
           </a:p>
@@ -1827,7 +1941,7 @@
           <a:p>
             <a:fld id="{7010FB7D-EB8B-4165-8035-325F8FF4F10B}" type="datetimeFigureOut">
               <a:rPr lang="en-PK" smtClean="0"/>
-              <a:t>07/10/2025</a:t>
+              <a:t>09/10/2025</a:t>
             </a:fld>
             <a:endParaRPr lang="en-PK"/>
           </a:p>
@@ -1969,7 +2083,7 @@
           <a:p>
             <a:fld id="{7010FB7D-EB8B-4165-8035-325F8FF4F10B}" type="datetimeFigureOut">
               <a:rPr lang="en-PK" smtClean="0"/>
-              <a:t>07/10/2025</a:t>
+              <a:t>09/10/2025</a:t>
             </a:fld>
             <a:endParaRPr lang="en-PK"/>
           </a:p>
@@ -2082,7 +2196,7 @@
           <a:p>
             <a:fld id="{7010FB7D-EB8B-4165-8035-325F8FF4F10B}" type="datetimeFigureOut">
               <a:rPr lang="en-PK" smtClean="0"/>
-              <a:t>07/10/2025</a:t>
+              <a:t>09/10/2025</a:t>
             </a:fld>
             <a:endParaRPr lang="en-PK"/>
           </a:p>
@@ -2395,7 +2509,7 @@
           <a:p>
             <a:fld id="{7010FB7D-EB8B-4165-8035-325F8FF4F10B}" type="datetimeFigureOut">
               <a:rPr lang="en-PK" smtClean="0"/>
-              <a:t>07/10/2025</a:t>
+              <a:t>09/10/2025</a:t>
             </a:fld>
             <a:endParaRPr lang="en-PK"/>
           </a:p>
@@ -2684,7 +2798,7 @@
           <a:p>
             <a:fld id="{7010FB7D-EB8B-4165-8035-325F8FF4F10B}" type="datetimeFigureOut">
               <a:rPr lang="en-PK" smtClean="0"/>
-              <a:t>07/10/2025</a:t>
+              <a:t>09/10/2025</a:t>
             </a:fld>
             <a:endParaRPr lang="en-PK"/>
           </a:p>
@@ -2927,7 +3041,7 @@
           <a:p>
             <a:fld id="{7010FB7D-EB8B-4165-8035-325F8FF4F10B}" type="datetimeFigureOut">
               <a:rPr lang="en-PK" smtClean="0"/>
-              <a:t>07/10/2025</a:t>
+              <a:t>09/10/2025</a:t>
             </a:fld>
             <a:endParaRPr lang="en-PK"/>
           </a:p>
@@ -3894,6 +4008,681 @@
 </p:sld>
 </file>
 
+<file path=ppt/slides/slide4.xml><?xml version="1.0" encoding="utf-8"?>
+<p:sld xmlns:a="http://schemas.openxmlformats.org/drawingml/2006/main" xmlns:r="http://schemas.openxmlformats.org/officeDocument/2006/relationships" xmlns:p="http://schemas.openxmlformats.org/presentationml/2006/main">
+  <p:cSld>
+    <p:bg>
+      <p:bgPr>
+        <a:gradFill flip="none" rotWithShape="1">
+          <a:gsLst>
+            <a:gs pos="0">
+              <a:schemeClr val="accent1">
+                <a:lumMod val="0"/>
+                <a:lumOff val="100000"/>
+              </a:schemeClr>
+            </a:gs>
+            <a:gs pos="35000">
+              <a:schemeClr val="accent1">
+                <a:lumMod val="0"/>
+                <a:lumOff val="100000"/>
+              </a:schemeClr>
+            </a:gs>
+            <a:gs pos="100000">
+              <a:schemeClr val="accent1">
+                <a:lumMod val="100000"/>
+              </a:schemeClr>
+            </a:gs>
+          </a:gsLst>
+          <a:path path="circle">
+            <a:fillToRect l="50000" t="-80000" r="50000" b="180000"/>
+          </a:path>
+          <a:tileRect/>
+        </a:gradFill>
+        <a:effectLst/>
+      </p:bgPr>
+    </p:bg>
+    <p:spTree>
+      <p:nvGrpSpPr>
+        <p:cNvPr id="1" name=""/>
+        <p:cNvGrpSpPr/>
+        <p:nvPr/>
+      </p:nvGrpSpPr>
+      <p:grpSpPr>
+        <a:xfrm>
+          <a:off x="0" y="0"/>
+          <a:ext cx="0" cy="0"/>
+          <a:chOff x="0" y="0"/>
+          <a:chExt cx="0" cy="0"/>
+        </a:xfrm>
+      </p:grpSpPr>
+      <p:sp>
+        <p:nvSpPr>
+          <p:cNvPr id="2" name="Title 1">
+            <a:extLst>
+              <a:ext uri="{FF2B5EF4-FFF2-40B4-BE49-F238E27FC236}">
+                <a16:creationId xmlns:a16="http://schemas.microsoft.com/office/drawing/2014/main" id="{1779BE70-3709-B94F-8C16-6F275575A79E}"/>
+              </a:ext>
+            </a:extLst>
+          </p:cNvPr>
+          <p:cNvSpPr>
+            <a:spLocks noGrp="1"/>
+          </p:cNvSpPr>
+          <p:nvPr>
+            <p:ph type="ctrTitle"/>
+          </p:nvPr>
+        </p:nvSpPr>
+        <p:spPr>
+          <a:xfrm>
+            <a:off x="1524000" y="365125"/>
+            <a:ext cx="9144000" cy="1655762"/>
+          </a:xfrm>
+          <a:noFill/>
+          <a:ln>
+            <a:noFill/>
+          </a:ln>
+          <a:effectLst>
+            <a:glow rad="228600">
+              <a:schemeClr val="tx1">
+                <a:lumMod val="75000"/>
+                <a:lumOff val="25000"/>
+                <a:alpha val="40000"/>
+              </a:schemeClr>
+            </a:glow>
+          </a:effectLst>
+        </p:spPr>
+        <p:txBody>
+          <a:bodyPr anchor="ctr">
+            <a:normAutofit/>
+          </a:bodyPr>
+          <a:lstStyle/>
+          <a:p>
+            <a:r>
+              <a:rPr lang="en-US" sz="4400" b="1" i="1" dirty="0">
+                <a:latin typeface="Algerian" panose="04020705040A02060702" pitchFamily="82" charset="0"/>
+              </a:rPr>
+              <a:t>Benefits OF Cloud Computing</a:t>
+            </a:r>
+            <a:endParaRPr lang="en-PK" sz="4400" b="1" i="1" dirty="0">
+              <a:latin typeface="Algerian" panose="04020705040A02060702" pitchFamily="82" charset="0"/>
+            </a:endParaRPr>
+          </a:p>
+        </p:txBody>
+      </p:sp>
+      <p:sp>
+        <p:nvSpPr>
+          <p:cNvPr id="3" name="Subtitle 2">
+            <a:extLst>
+              <a:ext uri="{FF2B5EF4-FFF2-40B4-BE49-F238E27FC236}">
+                <a16:creationId xmlns:a16="http://schemas.microsoft.com/office/drawing/2014/main" id="{E47EC89A-BE68-FF31-FB5D-8255D4A86D57}"/>
+              </a:ext>
+            </a:extLst>
+          </p:cNvPr>
+          <p:cNvSpPr>
+            <a:spLocks noGrp="1"/>
+          </p:cNvSpPr>
+          <p:nvPr>
+            <p:ph type="subTitle" idx="1"/>
+          </p:nvPr>
+        </p:nvSpPr>
+        <p:spPr>
+          <a:xfrm>
+            <a:off x="1524000" y="2095499"/>
+            <a:ext cx="5905500" cy="4238625"/>
+          </a:xfrm>
+        </p:spPr>
+        <p:txBody>
+          <a:bodyPr/>
+          <a:lstStyle/>
+          <a:p>
+            <a:pPr marL="457200" indent="-457200" algn="l">
+              <a:buFont typeface="+mj-lt"/>
+              <a:buAutoNum type="arabicParenR"/>
+            </a:pPr>
+            <a:r>
+              <a:rPr lang="en-US" dirty="0"/>
+              <a:t>Cost Efficiency</a:t>
+            </a:r>
+          </a:p>
+          <a:p>
+            <a:pPr marL="457200" indent="-457200" algn="l">
+              <a:buFont typeface="+mj-lt"/>
+              <a:buAutoNum type="arabicParenR"/>
+            </a:pPr>
+            <a:r>
+              <a:rPr lang="en-US" dirty="0"/>
+              <a:t>Scalability</a:t>
+            </a:r>
+          </a:p>
+          <a:p>
+            <a:pPr marL="457200" indent="-457200" algn="l">
+              <a:buFont typeface="+mj-lt"/>
+              <a:buAutoNum type="arabicParenR"/>
+            </a:pPr>
+            <a:r>
+              <a:rPr lang="en-US" dirty="0"/>
+              <a:t>Flexibility</a:t>
+            </a:r>
+          </a:p>
+          <a:p>
+            <a:pPr marL="457200" indent="-457200" algn="l">
+              <a:buFont typeface="+mj-lt"/>
+              <a:buAutoNum type="arabicParenR"/>
+            </a:pPr>
+            <a:r>
+              <a:rPr lang="en-US" dirty="0"/>
+              <a:t>Security	</a:t>
+            </a:r>
+          </a:p>
+          <a:p>
+            <a:pPr algn="l"/>
+            <a:endParaRPr lang="en-US" dirty="0">
+              <a:latin typeface="Algerian" panose="04020705040A02060702" pitchFamily="82" charset="0"/>
+            </a:endParaRPr>
+          </a:p>
+        </p:txBody>
+      </p:sp>
+      <p:pic>
+        <p:nvPicPr>
+          <p:cNvPr id="5" name="Picture 4">
+            <a:extLst>
+              <a:ext uri="{FF2B5EF4-FFF2-40B4-BE49-F238E27FC236}">
+                <a16:creationId xmlns:a16="http://schemas.microsoft.com/office/drawing/2014/main" id="{49B11ABA-0E92-4DBA-6207-E07935BF0A37}"/>
+              </a:ext>
+            </a:extLst>
+          </p:cNvPr>
+          <p:cNvPicPr>
+            <a:picLocks noChangeAspect="1"/>
+          </p:cNvPicPr>
+          <p:nvPr/>
+        </p:nvPicPr>
+        <p:blipFill>
+          <a:blip r:embed="rId2">
+            <a:extLst>
+              <a:ext uri="{28A0092B-C50C-407E-A947-70E740481C1C}">
+                <a14:useLocalDpi xmlns:a14="http://schemas.microsoft.com/office/drawing/2010/main" val="0"/>
+              </a:ext>
+            </a:extLst>
+          </a:blip>
+          <a:srcRect/>
+          <a:stretch/>
+        </p:blipFill>
+        <p:spPr>
+          <a:xfrm>
+            <a:off x="7539037" y="2095499"/>
+            <a:ext cx="3652839" cy="3652839"/>
+          </a:xfrm>
+          <a:prstGeom prst="rect">
+            <a:avLst/>
+          </a:prstGeom>
+        </p:spPr>
+      </p:pic>
+    </p:spTree>
+    <p:extLst>
+      <p:ext uri="{BB962C8B-B14F-4D97-AF65-F5344CB8AC3E}">
+        <p14:creationId xmlns:p14="http://schemas.microsoft.com/office/powerpoint/2010/main" val="3761437880"/>
+      </p:ext>
+    </p:extLst>
+  </p:cSld>
+  <p:clrMapOvr>
+    <a:masterClrMapping/>
+  </p:clrMapOvr>
+</p:sld>
+</file>
+
+<file path=ppt/slides/slide5.xml><?xml version="1.0" encoding="utf-8"?>
+<p:sld xmlns:a="http://schemas.openxmlformats.org/drawingml/2006/main" xmlns:r="http://schemas.openxmlformats.org/officeDocument/2006/relationships" xmlns:p="http://schemas.openxmlformats.org/presentationml/2006/main">
+  <p:cSld>
+    <p:bg>
+      <p:bgPr>
+        <a:gradFill flip="none" rotWithShape="1">
+          <a:gsLst>
+            <a:gs pos="0">
+              <a:schemeClr val="accent1">
+                <a:lumMod val="0"/>
+                <a:lumOff val="100000"/>
+              </a:schemeClr>
+            </a:gs>
+            <a:gs pos="35000">
+              <a:schemeClr val="accent1">
+                <a:lumMod val="0"/>
+                <a:lumOff val="100000"/>
+              </a:schemeClr>
+            </a:gs>
+            <a:gs pos="100000">
+              <a:schemeClr val="accent1">
+                <a:lumMod val="100000"/>
+              </a:schemeClr>
+            </a:gs>
+          </a:gsLst>
+          <a:path path="circle">
+            <a:fillToRect l="50000" t="-80000" r="50000" b="180000"/>
+          </a:path>
+          <a:tileRect/>
+        </a:gradFill>
+        <a:effectLst/>
+      </p:bgPr>
+    </p:bg>
+    <p:spTree>
+      <p:nvGrpSpPr>
+        <p:cNvPr id="1" name=""/>
+        <p:cNvGrpSpPr/>
+        <p:nvPr/>
+      </p:nvGrpSpPr>
+      <p:grpSpPr>
+        <a:xfrm>
+          <a:off x="0" y="0"/>
+          <a:ext cx="0" cy="0"/>
+          <a:chOff x="0" y="0"/>
+          <a:chExt cx="0" cy="0"/>
+        </a:xfrm>
+      </p:grpSpPr>
+      <p:sp>
+        <p:nvSpPr>
+          <p:cNvPr id="2" name="Title 1">
+            <a:extLst>
+              <a:ext uri="{FF2B5EF4-FFF2-40B4-BE49-F238E27FC236}">
+                <a16:creationId xmlns:a16="http://schemas.microsoft.com/office/drawing/2014/main" id="{1779BE70-3709-B94F-8C16-6F275575A79E}"/>
+              </a:ext>
+            </a:extLst>
+          </p:cNvPr>
+          <p:cNvSpPr>
+            <a:spLocks noGrp="1"/>
+          </p:cNvSpPr>
+          <p:nvPr>
+            <p:ph type="ctrTitle"/>
+          </p:nvPr>
+        </p:nvSpPr>
+        <p:spPr>
+          <a:xfrm>
+            <a:off x="1524000" y="365125"/>
+            <a:ext cx="9144000" cy="1655762"/>
+          </a:xfrm>
+          <a:noFill/>
+          <a:ln>
+            <a:noFill/>
+          </a:ln>
+          <a:effectLst>
+            <a:glow rad="228600">
+              <a:schemeClr val="tx1">
+                <a:lumMod val="75000"/>
+                <a:lumOff val="25000"/>
+                <a:alpha val="40000"/>
+              </a:schemeClr>
+            </a:glow>
+          </a:effectLst>
+        </p:spPr>
+        <p:txBody>
+          <a:bodyPr anchor="ctr">
+            <a:normAutofit/>
+          </a:bodyPr>
+          <a:lstStyle/>
+          <a:p>
+            <a:r>
+              <a:rPr lang="en-US" sz="4400" b="1" i="1" dirty="0">
+                <a:latin typeface="Algerian" panose="04020705040A02060702" pitchFamily="82" charset="0"/>
+              </a:rPr>
+              <a:t>Types OF Cloud Computing</a:t>
+            </a:r>
+            <a:endParaRPr lang="en-PK" sz="4400" b="1" i="1" dirty="0">
+              <a:latin typeface="Algerian" panose="04020705040A02060702" pitchFamily="82" charset="0"/>
+            </a:endParaRPr>
+          </a:p>
+        </p:txBody>
+      </p:sp>
+      <p:sp>
+        <p:nvSpPr>
+          <p:cNvPr id="3" name="Subtitle 2">
+            <a:extLst>
+              <a:ext uri="{FF2B5EF4-FFF2-40B4-BE49-F238E27FC236}">
+                <a16:creationId xmlns:a16="http://schemas.microsoft.com/office/drawing/2014/main" id="{E47EC89A-BE68-FF31-FB5D-8255D4A86D57}"/>
+              </a:ext>
+            </a:extLst>
+          </p:cNvPr>
+          <p:cNvSpPr>
+            <a:spLocks noGrp="1"/>
+          </p:cNvSpPr>
+          <p:nvPr>
+            <p:ph type="subTitle" idx="1"/>
+          </p:nvPr>
+        </p:nvSpPr>
+        <p:spPr>
+          <a:xfrm>
+            <a:off x="1524000" y="2095499"/>
+            <a:ext cx="5905500" cy="4238625"/>
+          </a:xfrm>
+        </p:spPr>
+        <p:txBody>
+          <a:bodyPr/>
+          <a:lstStyle/>
+          <a:p>
+            <a:pPr marL="514350" indent="-514350" algn="l">
+              <a:buFont typeface="+mj-lt"/>
+              <a:buAutoNum type="romanUcPeriod"/>
+            </a:pPr>
+            <a:r>
+              <a:rPr lang="en-US" dirty="0"/>
+              <a:t>IaaS ( </a:t>
+            </a:r>
+            <a:r>
+              <a:rPr lang="en-US" u="sng" dirty="0"/>
+              <a:t>I</a:t>
+            </a:r>
+            <a:r>
+              <a:rPr lang="en-US" dirty="0"/>
+              <a:t>nfrastructure </a:t>
+            </a:r>
+            <a:r>
+              <a:rPr lang="en-US" u="sng" dirty="0"/>
+              <a:t>a</a:t>
+            </a:r>
+            <a:r>
+              <a:rPr lang="en-US" dirty="0"/>
+              <a:t>s </a:t>
+            </a:r>
+            <a:r>
+              <a:rPr lang="en-US" u="sng" dirty="0"/>
+              <a:t>a</a:t>
+            </a:r>
+            <a:r>
+              <a:rPr lang="en-US" dirty="0"/>
+              <a:t> </a:t>
+            </a:r>
+            <a:r>
+              <a:rPr lang="en-US" u="sng" dirty="0"/>
+              <a:t>S</a:t>
+            </a:r>
+            <a:r>
+              <a:rPr lang="en-US" dirty="0"/>
+              <a:t>ervice )</a:t>
+            </a:r>
+          </a:p>
+          <a:p>
+            <a:pPr marL="514350" indent="-514350" algn="l">
+              <a:buFont typeface="+mj-lt"/>
+              <a:buAutoNum type="romanUcPeriod"/>
+            </a:pPr>
+            <a:r>
+              <a:rPr lang="en-US" dirty="0"/>
+              <a:t>PaaS ( </a:t>
+            </a:r>
+            <a:r>
+              <a:rPr lang="en-US" u="sng" dirty="0"/>
+              <a:t>P</a:t>
+            </a:r>
+            <a:r>
+              <a:rPr lang="en-US" dirty="0"/>
+              <a:t>latform </a:t>
+            </a:r>
+            <a:r>
+              <a:rPr lang="en-US" u="sng" dirty="0"/>
+              <a:t>a</a:t>
+            </a:r>
+            <a:r>
+              <a:rPr lang="en-US" dirty="0"/>
+              <a:t>s </a:t>
+            </a:r>
+            <a:r>
+              <a:rPr lang="en-US" u="sng" dirty="0"/>
+              <a:t>a</a:t>
+            </a:r>
+            <a:r>
+              <a:rPr lang="en-US" dirty="0"/>
+              <a:t> </a:t>
+            </a:r>
+            <a:r>
+              <a:rPr lang="en-US" u="sng" dirty="0"/>
+              <a:t>S</a:t>
+            </a:r>
+            <a:r>
+              <a:rPr lang="en-US" dirty="0"/>
+              <a:t>ervice )</a:t>
+            </a:r>
+          </a:p>
+          <a:p>
+            <a:pPr marL="514350" indent="-514350" algn="l">
+              <a:buFont typeface="+mj-lt"/>
+              <a:buAutoNum type="romanUcPeriod"/>
+            </a:pPr>
+            <a:r>
+              <a:rPr lang="en-US" dirty="0"/>
+              <a:t>SaaS ( </a:t>
+            </a:r>
+            <a:r>
+              <a:rPr lang="en-US" u="sng" dirty="0"/>
+              <a:t>S</a:t>
+            </a:r>
+            <a:r>
+              <a:rPr lang="en-US" dirty="0"/>
+              <a:t>oftware </a:t>
+            </a:r>
+            <a:r>
+              <a:rPr lang="en-US" u="sng" dirty="0"/>
+              <a:t>a</a:t>
+            </a:r>
+            <a:r>
+              <a:rPr lang="en-US" dirty="0"/>
+              <a:t>s </a:t>
+            </a:r>
+            <a:r>
+              <a:rPr lang="en-US" u="sng" dirty="0"/>
+              <a:t>a</a:t>
+            </a:r>
+            <a:r>
+              <a:rPr lang="en-US" dirty="0"/>
+              <a:t> </a:t>
+            </a:r>
+            <a:r>
+              <a:rPr lang="en-US" u="sng" dirty="0"/>
+              <a:t>S</a:t>
+            </a:r>
+            <a:r>
+              <a:rPr lang="en-US" dirty="0"/>
+              <a:t>ervice )</a:t>
+            </a:r>
+          </a:p>
+          <a:p>
+            <a:pPr algn="l"/>
+            <a:endParaRPr lang="en-US" dirty="0"/>
+          </a:p>
+          <a:p>
+            <a:pPr algn="l"/>
+            <a:endParaRPr lang="en-US" dirty="0"/>
+          </a:p>
+          <a:p>
+            <a:pPr algn="l"/>
+            <a:endParaRPr lang="en-US" dirty="0"/>
+          </a:p>
+          <a:p>
+            <a:pPr algn="l"/>
+            <a:endParaRPr lang="en-US" dirty="0"/>
+          </a:p>
+          <a:p>
+            <a:pPr algn="l"/>
+            <a:endParaRPr lang="en-US" dirty="0"/>
+          </a:p>
+          <a:p>
+            <a:pPr algn="l"/>
+            <a:endParaRPr lang="en-US" dirty="0"/>
+          </a:p>
+        </p:txBody>
+      </p:sp>
+    </p:spTree>
+    <p:extLst>
+      <p:ext uri="{BB962C8B-B14F-4D97-AF65-F5344CB8AC3E}">
+        <p14:creationId xmlns:p14="http://schemas.microsoft.com/office/powerpoint/2010/main" val="513396464"/>
+      </p:ext>
+    </p:extLst>
+  </p:cSld>
+  <p:clrMapOvr>
+    <a:masterClrMapping/>
+  </p:clrMapOvr>
+</p:sld>
+</file>
+
+<file path=ppt/slides/slide6.xml><?xml version="1.0" encoding="utf-8"?>
+<p:sld xmlns:a="http://schemas.openxmlformats.org/drawingml/2006/main" xmlns:r="http://schemas.openxmlformats.org/officeDocument/2006/relationships" xmlns:p="http://schemas.openxmlformats.org/presentationml/2006/main">
+  <p:cSld>
+    <p:bg>
+      <p:bgPr>
+        <a:gradFill flip="none" rotWithShape="1">
+          <a:gsLst>
+            <a:gs pos="0">
+              <a:schemeClr val="accent1">
+                <a:lumMod val="0"/>
+                <a:lumOff val="100000"/>
+              </a:schemeClr>
+            </a:gs>
+            <a:gs pos="35000">
+              <a:schemeClr val="accent1">
+                <a:lumMod val="0"/>
+                <a:lumOff val="100000"/>
+              </a:schemeClr>
+            </a:gs>
+            <a:gs pos="100000">
+              <a:schemeClr val="accent1">
+                <a:lumMod val="100000"/>
+              </a:schemeClr>
+            </a:gs>
+          </a:gsLst>
+          <a:path path="circle">
+            <a:fillToRect l="50000" t="-80000" r="50000" b="180000"/>
+          </a:path>
+          <a:tileRect/>
+        </a:gradFill>
+        <a:effectLst/>
+      </p:bgPr>
+    </p:bg>
+    <p:spTree>
+      <p:nvGrpSpPr>
+        <p:cNvPr id="1" name=""/>
+        <p:cNvGrpSpPr/>
+        <p:nvPr/>
+      </p:nvGrpSpPr>
+      <p:grpSpPr>
+        <a:xfrm>
+          <a:off x="0" y="0"/>
+          <a:ext cx="0" cy="0"/>
+          <a:chOff x="0" y="0"/>
+          <a:chExt cx="0" cy="0"/>
+        </a:xfrm>
+      </p:grpSpPr>
+      <p:sp>
+        <p:nvSpPr>
+          <p:cNvPr id="2" name="Title 1">
+            <a:extLst>
+              <a:ext uri="{FF2B5EF4-FFF2-40B4-BE49-F238E27FC236}">
+                <a16:creationId xmlns:a16="http://schemas.microsoft.com/office/drawing/2014/main" id="{1779BE70-3709-B94F-8C16-6F275575A79E}"/>
+              </a:ext>
+            </a:extLst>
+          </p:cNvPr>
+          <p:cNvSpPr>
+            <a:spLocks noGrp="1"/>
+          </p:cNvSpPr>
+          <p:nvPr>
+            <p:ph type="ctrTitle"/>
+          </p:nvPr>
+        </p:nvSpPr>
+        <p:spPr>
+          <a:xfrm>
+            <a:off x="1524000" y="365125"/>
+            <a:ext cx="9144000" cy="1655762"/>
+          </a:xfrm>
+          <a:noFill/>
+          <a:ln>
+            <a:noFill/>
+          </a:ln>
+          <a:effectLst>
+            <a:glow rad="228600">
+              <a:schemeClr val="tx1">
+                <a:lumMod val="75000"/>
+                <a:lumOff val="25000"/>
+                <a:alpha val="40000"/>
+              </a:schemeClr>
+            </a:glow>
+          </a:effectLst>
+        </p:spPr>
+        <p:txBody>
+          <a:bodyPr anchor="ctr">
+            <a:normAutofit/>
+          </a:bodyPr>
+          <a:lstStyle/>
+          <a:p>
+            <a:r>
+              <a:rPr lang="en-US" sz="4400" b="1" i="1" dirty="0">
+                <a:latin typeface="Algerian" panose="04020705040A02060702" pitchFamily="82" charset="0"/>
+              </a:rPr>
+              <a:t>Security Of Cloud Computing</a:t>
+            </a:r>
+            <a:endParaRPr lang="en-PK" sz="4400" b="1" i="1" dirty="0">
+              <a:latin typeface="Algerian" panose="04020705040A02060702" pitchFamily="82" charset="0"/>
+            </a:endParaRPr>
+          </a:p>
+        </p:txBody>
+      </p:sp>
+      <p:sp>
+        <p:nvSpPr>
+          <p:cNvPr id="3" name="Subtitle 2">
+            <a:extLst>
+              <a:ext uri="{FF2B5EF4-FFF2-40B4-BE49-F238E27FC236}">
+                <a16:creationId xmlns:a16="http://schemas.microsoft.com/office/drawing/2014/main" id="{E47EC89A-BE68-FF31-FB5D-8255D4A86D57}"/>
+              </a:ext>
+            </a:extLst>
+          </p:cNvPr>
+          <p:cNvSpPr>
+            <a:spLocks noGrp="1"/>
+          </p:cNvSpPr>
+          <p:nvPr>
+            <p:ph type="subTitle" idx="1"/>
+          </p:nvPr>
+        </p:nvSpPr>
+        <p:spPr>
+          <a:xfrm>
+            <a:off x="1523999" y="2095499"/>
+            <a:ext cx="9143999" cy="4238625"/>
+          </a:xfrm>
+        </p:spPr>
+        <p:txBody>
+          <a:bodyPr/>
+          <a:lstStyle/>
+          <a:p>
+            <a:pPr algn="l"/>
+            <a:endParaRPr lang="en-US" dirty="0"/>
+          </a:p>
+          <a:p>
+            <a:pPr algn="l"/>
+            <a:endParaRPr lang="en-US" dirty="0"/>
+          </a:p>
+          <a:p>
+            <a:pPr algn="l"/>
+            <a:endParaRPr lang="en-US" dirty="0"/>
+          </a:p>
+          <a:p>
+            <a:pPr algn="l"/>
+            <a:endParaRPr lang="en-US" dirty="0"/>
+          </a:p>
+          <a:p>
+            <a:pPr algn="l"/>
+            <a:endParaRPr lang="en-US" dirty="0"/>
+          </a:p>
+          <a:p>
+            <a:pPr algn="l"/>
+            <a:endParaRPr lang="en-US" dirty="0"/>
+          </a:p>
+        </p:txBody>
+      </p:sp>
+    </p:spTree>
+    <p:extLst>
+      <p:ext uri="{BB962C8B-B14F-4D97-AF65-F5344CB8AC3E}">
+        <p14:creationId xmlns:p14="http://schemas.microsoft.com/office/powerpoint/2010/main" val="2695373570"/>
+      </p:ext>
+    </p:extLst>
+  </p:cSld>
+  <p:clrMapOvr>
+    <a:masterClrMapping/>
+  </p:clrMapOvr>
+</p:sld>
+</file>
+
 <file path=ppt/theme/theme1.xml><?xml version="1.0" encoding="utf-8"?>
 <a:theme xmlns:a="http://schemas.openxmlformats.org/drawingml/2006/main" name="Office Theme">
   <a:themeElements>
